--- a/Module 2 Final Project Presentation.pptx
+++ b/Module 2 Final Project Presentation.pptx
@@ -4241,14 +4241,6 @@
           <a:bodyPr/>
           <a:lstStyle/>
           <a:p>
-            <a:r>
-              <a:rPr lang="en-US" dirty="0"/>
-              <a:t>Homo skid ass </a:t>
-            </a:r>
-            <a:r>
-              <a:rPr lang="en-US" dirty="0" err="1"/>
-              <a:t>ticity</a:t>
-            </a:r>
             <a:endParaRPr lang="en-US" dirty="0"/>
           </a:p>
         </p:txBody>
